--- a/sql/1_fundamentals/general+challenge+1.pptx
+++ b/sql/1_fundamentals/general+challenge+1.pptx
@@ -8,24 +8,25 @@
     <p:sldId id="256" r:id="rId2"/>
     <p:sldId id="264" r:id="rId3"/>
     <p:sldId id="257" r:id="rId4"/>
-    <p:sldId id="269" r:id="rId5"/>
-    <p:sldId id="262" r:id="rId6"/>
-    <p:sldId id="273" r:id="rId7"/>
-    <p:sldId id="274" r:id="rId8"/>
-    <p:sldId id="275" r:id="rId9"/>
-    <p:sldId id="270" r:id="rId10"/>
-    <p:sldId id="271" r:id="rId11"/>
-    <p:sldId id="272" r:id="rId12"/>
-    <p:sldId id="276" r:id="rId13"/>
-    <p:sldId id="277" r:id="rId14"/>
-    <p:sldId id="278" r:id="rId15"/>
-    <p:sldId id="279" r:id="rId16"/>
-    <p:sldId id="280" r:id="rId17"/>
-    <p:sldId id="281" r:id="rId18"/>
-    <p:sldId id="282" r:id="rId19"/>
-    <p:sldId id="283" r:id="rId20"/>
-    <p:sldId id="284" r:id="rId21"/>
-    <p:sldId id="268" r:id="rId22"/>
+    <p:sldId id="285" r:id="rId5"/>
+    <p:sldId id="269" r:id="rId6"/>
+    <p:sldId id="262" r:id="rId7"/>
+    <p:sldId id="273" r:id="rId8"/>
+    <p:sldId id="274" r:id="rId9"/>
+    <p:sldId id="275" r:id="rId10"/>
+    <p:sldId id="270" r:id="rId11"/>
+    <p:sldId id="271" r:id="rId12"/>
+    <p:sldId id="272" r:id="rId13"/>
+    <p:sldId id="276" r:id="rId14"/>
+    <p:sldId id="277" r:id="rId15"/>
+    <p:sldId id="278" r:id="rId16"/>
+    <p:sldId id="279" r:id="rId17"/>
+    <p:sldId id="280" r:id="rId18"/>
+    <p:sldId id="281" r:id="rId19"/>
+    <p:sldId id="282" r:id="rId20"/>
+    <p:sldId id="283" r:id="rId21"/>
+    <p:sldId id="284" r:id="rId22"/>
+    <p:sldId id="268" r:id="rId23"/>
   </p:sldIdLst>
   <p:sldSz cx="9144000" cy="5143500" type="screen16x9"/>
   <p:notesSz cx="6858000" cy="9144000"/>
@@ -124,6 +125,22 @@
       </a:defRPr>
     </a:lvl9pPr>
   </p:defaultTextStyle>
+  <p:extLst>
+    <p:ext uri="{EFAFB233-063F-42B5-8137-9DF3F51BA10A}">
+      <p15:sldGuideLst xmlns:p15="http://schemas.microsoft.com/office/powerpoint/2012/main">
+        <p15:guide id="1" orient="horz" pos="1620">
+          <p15:clr>
+            <a:srgbClr val="A4A3A4"/>
+          </p15:clr>
+        </p15:guide>
+        <p15:guide id="2" pos="2880">
+          <p15:clr>
+            <a:srgbClr val="A4A3A4"/>
+          </p15:clr>
+        </p15:guide>
+      </p15:sldGuideLst>
+    </p:ext>
+  </p:extLst>
 </p:presentation>
 </file>
 
@@ -165,10 +182,9 @@
           <a:lstStyle/>
           <a:p>
             <a:r>
-              <a:rPr lang="en-US" smtClean="0"/>
+              <a:rPr lang="en-US"/>
               <a:t>Click to edit Master title style</a:t>
             </a:r>
-            <a:endParaRPr lang="en-US"/>
           </a:p>
         </p:txBody>
       </p:sp>
@@ -284,10 +300,9 @@
           </a:lstStyle>
           <a:p>
             <a:r>
-              <a:rPr lang="en-US" smtClean="0"/>
+              <a:rPr lang="en-US"/>
               <a:t>Click to edit Master subtitle style</a:t>
             </a:r>
-            <a:endParaRPr lang="en-US"/>
           </a:p>
         </p:txBody>
       </p:sp>
@@ -308,7 +323,7 @@
           <a:p>
             <a:fld id="{1F82283D-F39B-493F-A144-AD1055C9CE7B}" type="datetimeFigureOut">
               <a:rPr lang="en-US" smtClean="0"/>
-              <a:t>3/11/2016</a:t>
+              <a:t>9/3/2023</a:t>
             </a:fld>
             <a:endParaRPr lang="en-US"/>
           </a:p>
@@ -402,10 +417,9 @@
           <a:lstStyle/>
           <a:p>
             <a:r>
-              <a:rPr lang="en-US" smtClean="0"/>
+              <a:rPr lang="en-US"/>
               <a:t>Click to edit Master title style</a:t>
             </a:r>
-            <a:endParaRPr lang="en-US"/>
           </a:p>
         </p:txBody>
       </p:sp>
@@ -426,38 +440,37 @@
           <a:p>
             <a:pPr lvl="0"/>
             <a:r>
-              <a:rPr lang="en-US" smtClean="0"/>
+              <a:rPr lang="en-US"/>
               <a:t>Click to edit Master text styles</a:t>
             </a:r>
           </a:p>
           <a:p>
             <a:pPr lvl="1"/>
             <a:r>
-              <a:rPr lang="en-US" smtClean="0"/>
+              <a:rPr lang="en-US"/>
               <a:t>Second level</a:t>
             </a:r>
           </a:p>
           <a:p>
             <a:pPr lvl="2"/>
             <a:r>
-              <a:rPr lang="en-US" smtClean="0"/>
+              <a:rPr lang="en-US"/>
               <a:t>Third level</a:t>
             </a:r>
           </a:p>
           <a:p>
             <a:pPr lvl="3"/>
             <a:r>
-              <a:rPr lang="en-US" smtClean="0"/>
+              <a:rPr lang="en-US"/>
               <a:t>Fourth level</a:t>
             </a:r>
           </a:p>
           <a:p>
             <a:pPr lvl="4"/>
             <a:r>
-              <a:rPr lang="en-US" smtClean="0"/>
+              <a:rPr lang="en-US"/>
               <a:t>Fifth level</a:t>
             </a:r>
-            <a:endParaRPr lang="en-US"/>
           </a:p>
         </p:txBody>
       </p:sp>
@@ -478,7 +491,7 @@
           <a:p>
             <a:fld id="{1F82283D-F39B-493F-A144-AD1055C9CE7B}" type="datetimeFigureOut">
               <a:rPr lang="en-US" smtClean="0"/>
-              <a:t>3/11/2016</a:t>
+              <a:t>9/3/2023</a:t>
             </a:fld>
             <a:endParaRPr lang="en-US"/>
           </a:p>
@@ -577,10 +590,9 @@
           <a:lstStyle/>
           <a:p>
             <a:r>
-              <a:rPr lang="en-US" smtClean="0"/>
+              <a:rPr lang="en-US"/>
               <a:t>Click to edit Master title style</a:t>
             </a:r>
-            <a:endParaRPr lang="en-US"/>
           </a:p>
         </p:txBody>
       </p:sp>
@@ -606,38 +618,37 @@
           <a:p>
             <a:pPr lvl="0"/>
             <a:r>
-              <a:rPr lang="en-US" smtClean="0"/>
+              <a:rPr lang="en-US"/>
               <a:t>Click to edit Master text styles</a:t>
             </a:r>
           </a:p>
           <a:p>
             <a:pPr lvl="1"/>
             <a:r>
-              <a:rPr lang="en-US" smtClean="0"/>
+              <a:rPr lang="en-US"/>
               <a:t>Second level</a:t>
             </a:r>
           </a:p>
           <a:p>
             <a:pPr lvl="2"/>
             <a:r>
-              <a:rPr lang="en-US" smtClean="0"/>
+              <a:rPr lang="en-US"/>
               <a:t>Third level</a:t>
             </a:r>
           </a:p>
           <a:p>
             <a:pPr lvl="3"/>
             <a:r>
-              <a:rPr lang="en-US" smtClean="0"/>
+              <a:rPr lang="en-US"/>
               <a:t>Fourth level</a:t>
             </a:r>
           </a:p>
           <a:p>
             <a:pPr lvl="4"/>
             <a:r>
-              <a:rPr lang="en-US" smtClean="0"/>
+              <a:rPr lang="en-US"/>
               <a:t>Fifth level</a:t>
             </a:r>
-            <a:endParaRPr lang="en-US"/>
           </a:p>
         </p:txBody>
       </p:sp>
@@ -658,7 +669,7 @@
           <a:p>
             <a:fld id="{1F82283D-F39B-493F-A144-AD1055C9CE7B}" type="datetimeFigureOut">
               <a:rPr lang="en-US" smtClean="0"/>
-              <a:t>3/11/2016</a:t>
+              <a:t>9/3/2023</a:t>
             </a:fld>
             <a:endParaRPr lang="en-US"/>
           </a:p>
@@ -752,10 +763,9 @@
           <a:lstStyle/>
           <a:p>
             <a:r>
-              <a:rPr lang="en-US" smtClean="0"/>
+              <a:rPr lang="en-US"/>
               <a:t>Click to edit Master title style</a:t>
             </a:r>
-            <a:endParaRPr lang="en-US"/>
           </a:p>
         </p:txBody>
       </p:sp>
@@ -776,38 +786,37 @@
           <a:p>
             <a:pPr lvl="0"/>
             <a:r>
-              <a:rPr lang="en-US" smtClean="0"/>
+              <a:rPr lang="en-US"/>
               <a:t>Click to edit Master text styles</a:t>
             </a:r>
           </a:p>
           <a:p>
             <a:pPr lvl="1"/>
             <a:r>
-              <a:rPr lang="en-US" smtClean="0"/>
+              <a:rPr lang="en-US"/>
               <a:t>Second level</a:t>
             </a:r>
           </a:p>
           <a:p>
             <a:pPr lvl="2"/>
             <a:r>
-              <a:rPr lang="en-US" smtClean="0"/>
+              <a:rPr lang="en-US"/>
               <a:t>Third level</a:t>
             </a:r>
           </a:p>
           <a:p>
             <a:pPr lvl="3"/>
             <a:r>
-              <a:rPr lang="en-US" smtClean="0"/>
+              <a:rPr lang="en-US"/>
               <a:t>Fourth level</a:t>
             </a:r>
           </a:p>
           <a:p>
             <a:pPr lvl="4"/>
             <a:r>
-              <a:rPr lang="en-US" smtClean="0"/>
+              <a:rPr lang="en-US"/>
               <a:t>Fifth level</a:t>
             </a:r>
-            <a:endParaRPr lang="en-US"/>
           </a:p>
         </p:txBody>
       </p:sp>
@@ -828,7 +837,7 @@
           <a:p>
             <a:fld id="{1F82283D-F39B-493F-A144-AD1055C9CE7B}" type="datetimeFigureOut">
               <a:rPr lang="en-US" smtClean="0"/>
-              <a:t>3/11/2016</a:t>
+              <a:t>9/3/2023</a:t>
             </a:fld>
             <a:endParaRPr lang="en-US"/>
           </a:p>
@@ -931,10 +940,9 @@
           </a:lstStyle>
           <a:p>
             <a:r>
-              <a:rPr lang="en-US" smtClean="0"/>
+              <a:rPr lang="en-US"/>
               <a:t>Click to edit Master title style</a:t>
             </a:r>
-            <a:endParaRPr lang="en-US"/>
           </a:p>
         </p:txBody>
       </p:sp>
@@ -1051,7 +1059,7 @@
           <a:p>
             <a:pPr lvl="0"/>
             <a:r>
-              <a:rPr lang="en-US" smtClean="0"/>
+              <a:rPr lang="en-US"/>
               <a:t>Click to edit Master text styles</a:t>
             </a:r>
           </a:p>
@@ -1074,7 +1082,7 @@
           <a:p>
             <a:fld id="{1F82283D-F39B-493F-A144-AD1055C9CE7B}" type="datetimeFigureOut">
               <a:rPr lang="en-US" smtClean="0"/>
-              <a:t>3/11/2016</a:t>
+              <a:t>9/3/2023</a:t>
             </a:fld>
             <a:endParaRPr lang="en-US"/>
           </a:p>
@@ -1168,10 +1176,9 @@
           <a:lstStyle/>
           <a:p>
             <a:r>
-              <a:rPr lang="en-US" smtClean="0"/>
+              <a:rPr lang="en-US"/>
               <a:t>Click to edit Master title style</a:t>
             </a:r>
-            <a:endParaRPr lang="en-US"/>
           </a:p>
         </p:txBody>
       </p:sp>
@@ -1225,38 +1232,37 @@
           <a:p>
             <a:pPr lvl="0"/>
             <a:r>
-              <a:rPr lang="en-US" smtClean="0"/>
+              <a:rPr lang="en-US"/>
               <a:t>Click to edit Master text styles</a:t>
             </a:r>
           </a:p>
           <a:p>
             <a:pPr lvl="1"/>
             <a:r>
-              <a:rPr lang="en-US" smtClean="0"/>
+              <a:rPr lang="en-US"/>
               <a:t>Second level</a:t>
             </a:r>
           </a:p>
           <a:p>
             <a:pPr lvl="2"/>
             <a:r>
-              <a:rPr lang="en-US" smtClean="0"/>
+              <a:rPr lang="en-US"/>
               <a:t>Third level</a:t>
             </a:r>
           </a:p>
           <a:p>
             <a:pPr lvl="3"/>
             <a:r>
-              <a:rPr lang="en-US" smtClean="0"/>
+              <a:rPr lang="en-US"/>
               <a:t>Fourth level</a:t>
             </a:r>
           </a:p>
           <a:p>
             <a:pPr lvl="4"/>
             <a:r>
-              <a:rPr lang="en-US" smtClean="0"/>
+              <a:rPr lang="en-US"/>
               <a:t>Fifth level</a:t>
             </a:r>
-            <a:endParaRPr lang="en-US"/>
           </a:p>
         </p:txBody>
       </p:sp>
@@ -1310,38 +1316,37 @@
           <a:p>
             <a:pPr lvl="0"/>
             <a:r>
-              <a:rPr lang="en-US" smtClean="0"/>
+              <a:rPr lang="en-US"/>
               <a:t>Click to edit Master text styles</a:t>
             </a:r>
           </a:p>
           <a:p>
             <a:pPr lvl="1"/>
             <a:r>
-              <a:rPr lang="en-US" smtClean="0"/>
+              <a:rPr lang="en-US"/>
               <a:t>Second level</a:t>
             </a:r>
           </a:p>
           <a:p>
             <a:pPr lvl="2"/>
             <a:r>
-              <a:rPr lang="en-US" smtClean="0"/>
+              <a:rPr lang="en-US"/>
               <a:t>Third level</a:t>
             </a:r>
           </a:p>
           <a:p>
             <a:pPr lvl="3"/>
             <a:r>
-              <a:rPr lang="en-US" smtClean="0"/>
+              <a:rPr lang="en-US"/>
               <a:t>Fourth level</a:t>
             </a:r>
           </a:p>
           <a:p>
             <a:pPr lvl="4"/>
             <a:r>
-              <a:rPr lang="en-US" smtClean="0"/>
+              <a:rPr lang="en-US"/>
               <a:t>Fifth level</a:t>
             </a:r>
-            <a:endParaRPr lang="en-US"/>
           </a:p>
         </p:txBody>
       </p:sp>
@@ -1362,7 +1367,7 @@
           <a:p>
             <a:fld id="{1F82283D-F39B-493F-A144-AD1055C9CE7B}" type="datetimeFigureOut">
               <a:rPr lang="en-US" smtClean="0"/>
-              <a:t>3/11/2016</a:t>
+              <a:t>9/3/2023</a:t>
             </a:fld>
             <a:endParaRPr lang="en-US"/>
           </a:p>
@@ -1460,10 +1465,9 @@
           </a:lstStyle>
           <a:p>
             <a:r>
-              <a:rPr lang="en-US" smtClean="0"/>
+              <a:rPr lang="en-US"/>
               <a:t>Click to edit Master title style</a:t>
             </a:r>
-            <a:endParaRPr lang="en-US"/>
           </a:p>
         </p:txBody>
       </p:sp>
@@ -1526,7 +1530,7 @@
           <a:p>
             <a:pPr lvl="0"/>
             <a:r>
-              <a:rPr lang="en-US" smtClean="0"/>
+              <a:rPr lang="en-US"/>
               <a:t>Click to edit Master text styles</a:t>
             </a:r>
           </a:p>
@@ -1582,38 +1586,37 @@
           <a:p>
             <a:pPr lvl="0"/>
             <a:r>
-              <a:rPr lang="en-US" smtClean="0"/>
+              <a:rPr lang="en-US"/>
               <a:t>Click to edit Master text styles</a:t>
             </a:r>
           </a:p>
           <a:p>
             <a:pPr lvl="1"/>
             <a:r>
-              <a:rPr lang="en-US" smtClean="0"/>
+              <a:rPr lang="en-US"/>
               <a:t>Second level</a:t>
             </a:r>
           </a:p>
           <a:p>
             <a:pPr lvl="2"/>
             <a:r>
-              <a:rPr lang="en-US" smtClean="0"/>
+              <a:rPr lang="en-US"/>
               <a:t>Third level</a:t>
             </a:r>
           </a:p>
           <a:p>
             <a:pPr lvl="3"/>
             <a:r>
-              <a:rPr lang="en-US" smtClean="0"/>
+              <a:rPr lang="en-US"/>
               <a:t>Fourth level</a:t>
             </a:r>
           </a:p>
           <a:p>
             <a:pPr lvl="4"/>
             <a:r>
-              <a:rPr lang="en-US" smtClean="0"/>
+              <a:rPr lang="en-US"/>
               <a:t>Fifth level</a:t>
             </a:r>
-            <a:endParaRPr lang="en-US"/>
           </a:p>
         </p:txBody>
       </p:sp>
@@ -1676,7 +1679,7 @@
           <a:p>
             <a:pPr lvl="0"/>
             <a:r>
-              <a:rPr lang="en-US" smtClean="0"/>
+              <a:rPr lang="en-US"/>
               <a:t>Click to edit Master text styles</a:t>
             </a:r>
           </a:p>
@@ -1732,38 +1735,37 @@
           <a:p>
             <a:pPr lvl="0"/>
             <a:r>
-              <a:rPr lang="en-US" smtClean="0"/>
+              <a:rPr lang="en-US"/>
               <a:t>Click to edit Master text styles</a:t>
             </a:r>
           </a:p>
           <a:p>
             <a:pPr lvl="1"/>
             <a:r>
-              <a:rPr lang="en-US" smtClean="0"/>
+              <a:rPr lang="en-US"/>
               <a:t>Second level</a:t>
             </a:r>
           </a:p>
           <a:p>
             <a:pPr lvl="2"/>
             <a:r>
-              <a:rPr lang="en-US" smtClean="0"/>
+              <a:rPr lang="en-US"/>
               <a:t>Third level</a:t>
             </a:r>
           </a:p>
           <a:p>
             <a:pPr lvl="3"/>
             <a:r>
-              <a:rPr lang="en-US" smtClean="0"/>
+              <a:rPr lang="en-US"/>
               <a:t>Fourth level</a:t>
             </a:r>
           </a:p>
           <a:p>
             <a:pPr lvl="4"/>
             <a:r>
-              <a:rPr lang="en-US" smtClean="0"/>
+              <a:rPr lang="en-US"/>
               <a:t>Fifth level</a:t>
             </a:r>
-            <a:endParaRPr lang="en-US"/>
           </a:p>
         </p:txBody>
       </p:sp>
@@ -1784,7 +1786,7 @@
           <a:p>
             <a:fld id="{1F82283D-F39B-493F-A144-AD1055C9CE7B}" type="datetimeFigureOut">
               <a:rPr lang="en-US" smtClean="0"/>
-              <a:t>3/11/2016</a:t>
+              <a:t>9/3/2023</a:t>
             </a:fld>
             <a:endParaRPr lang="en-US"/>
           </a:p>
@@ -1878,10 +1880,9 @@
           <a:lstStyle/>
           <a:p>
             <a:r>
-              <a:rPr lang="en-US" smtClean="0"/>
+              <a:rPr lang="en-US"/>
               <a:t>Click to edit Master title style</a:t>
             </a:r>
-            <a:endParaRPr lang="en-US"/>
           </a:p>
         </p:txBody>
       </p:sp>
@@ -1902,7 +1903,7 @@
           <a:p>
             <a:fld id="{1F82283D-F39B-493F-A144-AD1055C9CE7B}" type="datetimeFigureOut">
               <a:rPr lang="en-US" smtClean="0"/>
-              <a:t>3/11/2016</a:t>
+              <a:t>9/3/2023</a:t>
             </a:fld>
             <a:endParaRPr lang="en-US"/>
           </a:p>
@@ -1997,7 +1998,7 @@
           <a:p>
             <a:fld id="{1F82283D-F39B-493F-A144-AD1055C9CE7B}" type="datetimeFigureOut">
               <a:rPr lang="en-US" smtClean="0"/>
-              <a:t>3/11/2016</a:t>
+              <a:t>9/3/2023</a:t>
             </a:fld>
             <a:endParaRPr lang="en-US"/>
           </a:p>
@@ -2100,10 +2101,9 @@
           </a:lstStyle>
           <a:p>
             <a:r>
-              <a:rPr lang="en-US" smtClean="0"/>
+              <a:rPr lang="en-US"/>
               <a:t>Click to edit Master title style</a:t>
             </a:r>
-            <a:endParaRPr lang="en-US"/>
           </a:p>
         </p:txBody>
       </p:sp>
@@ -2157,38 +2157,37 @@
           <a:p>
             <a:pPr lvl="0"/>
             <a:r>
-              <a:rPr lang="en-US" smtClean="0"/>
+              <a:rPr lang="en-US"/>
               <a:t>Click to edit Master text styles</a:t>
             </a:r>
           </a:p>
           <a:p>
             <a:pPr lvl="1"/>
             <a:r>
-              <a:rPr lang="en-US" smtClean="0"/>
+              <a:rPr lang="en-US"/>
               <a:t>Second level</a:t>
             </a:r>
           </a:p>
           <a:p>
             <a:pPr lvl="2"/>
             <a:r>
-              <a:rPr lang="en-US" smtClean="0"/>
+              <a:rPr lang="en-US"/>
               <a:t>Third level</a:t>
             </a:r>
           </a:p>
           <a:p>
             <a:pPr lvl="3"/>
             <a:r>
-              <a:rPr lang="en-US" smtClean="0"/>
+              <a:rPr lang="en-US"/>
               <a:t>Fourth level</a:t>
             </a:r>
           </a:p>
           <a:p>
             <a:pPr lvl="4"/>
             <a:r>
-              <a:rPr lang="en-US" smtClean="0"/>
+              <a:rPr lang="en-US"/>
               <a:t>Fifth level</a:t>
             </a:r>
-            <a:endParaRPr lang="en-US"/>
           </a:p>
         </p:txBody>
       </p:sp>
@@ -2251,7 +2250,7 @@
           <a:p>
             <a:pPr lvl="0"/>
             <a:r>
-              <a:rPr lang="en-US" smtClean="0"/>
+              <a:rPr lang="en-US"/>
               <a:t>Click to edit Master text styles</a:t>
             </a:r>
           </a:p>
@@ -2274,7 +2273,7 @@
           <a:p>
             <a:fld id="{1F82283D-F39B-493F-A144-AD1055C9CE7B}" type="datetimeFigureOut">
               <a:rPr lang="en-US" smtClean="0"/>
-              <a:t>3/11/2016</a:t>
+              <a:t>9/3/2023</a:t>
             </a:fld>
             <a:endParaRPr lang="en-US"/>
           </a:p>
@@ -2377,10 +2376,9 @@
           </a:lstStyle>
           <a:p>
             <a:r>
-              <a:rPr lang="en-US" smtClean="0"/>
+              <a:rPr lang="en-US"/>
               <a:t>Click to edit Master title style</a:t>
             </a:r>
-            <a:endParaRPr lang="en-US"/>
           </a:p>
         </p:txBody>
       </p:sp>
@@ -2504,7 +2502,7 @@
           <a:p>
             <a:pPr lvl="0"/>
             <a:r>
-              <a:rPr lang="en-US" smtClean="0"/>
+              <a:rPr lang="en-US"/>
               <a:t>Click to edit Master text styles</a:t>
             </a:r>
           </a:p>
@@ -2527,7 +2525,7 @@
           <a:p>
             <a:fld id="{1F82283D-F39B-493F-A144-AD1055C9CE7B}" type="datetimeFigureOut">
               <a:rPr lang="en-US" smtClean="0"/>
-              <a:t>3/11/2016</a:t>
+              <a:t>9/3/2023</a:t>
             </a:fld>
             <a:endParaRPr lang="en-US"/>
           </a:p>
@@ -2636,10 +2634,9 @@
           <a:lstStyle/>
           <a:p>
             <a:r>
-              <a:rPr lang="en-US" smtClean="0"/>
+              <a:rPr lang="en-US"/>
               <a:t>Click to edit Master title style</a:t>
             </a:r>
-            <a:endParaRPr lang="en-US"/>
           </a:p>
         </p:txBody>
       </p:sp>
@@ -2670,38 +2667,37 @@
           <a:p>
             <a:pPr lvl="0"/>
             <a:r>
-              <a:rPr lang="en-US" smtClean="0"/>
+              <a:rPr lang="en-US"/>
               <a:t>Click to edit Master text styles</a:t>
             </a:r>
           </a:p>
           <a:p>
             <a:pPr lvl="1"/>
             <a:r>
-              <a:rPr lang="en-US" smtClean="0"/>
+              <a:rPr lang="en-US"/>
               <a:t>Second level</a:t>
             </a:r>
           </a:p>
           <a:p>
             <a:pPr lvl="2"/>
             <a:r>
-              <a:rPr lang="en-US" smtClean="0"/>
+              <a:rPr lang="en-US"/>
               <a:t>Third level</a:t>
             </a:r>
           </a:p>
           <a:p>
             <a:pPr lvl="3"/>
             <a:r>
-              <a:rPr lang="en-US" smtClean="0"/>
+              <a:rPr lang="en-US"/>
               <a:t>Fourth level</a:t>
             </a:r>
           </a:p>
           <a:p>
             <a:pPr lvl="4"/>
             <a:r>
-              <a:rPr lang="en-US" smtClean="0"/>
+              <a:rPr lang="en-US"/>
               <a:t>Fifth level</a:t>
             </a:r>
-            <a:endParaRPr lang="en-US"/>
           </a:p>
         </p:txBody>
       </p:sp>
@@ -2740,7 +2736,7 @@
           <a:p>
             <a:fld id="{1F82283D-F39B-493F-A144-AD1055C9CE7B}" type="datetimeFigureOut">
               <a:rPr lang="en-US" smtClean="0"/>
-              <a:t>3/11/2016</a:t>
+              <a:t>9/3/2023</a:t>
             </a:fld>
             <a:endParaRPr lang="en-US"/>
           </a:p>
@@ -3138,15 +3134,11 @@
           <a:lstStyle/>
           <a:p>
             <a:r>
-              <a:rPr lang="en-US" sz="6000" b="1" dirty="0" smtClean="0"/>
+              <a:rPr lang="en-US" sz="6000" b="1" dirty="0"/>
               <a:t>Challenge! </a:t>
             </a:r>
-            <a:r>
-              <a:rPr lang="en-US" sz="6000" b="1" dirty="0" smtClean="0"/>
-              <a:t/>
-            </a:r>
             <a:br>
-              <a:rPr lang="en-US" sz="6000" b="1" dirty="0" smtClean="0"/>
+              <a:rPr lang="en-US" sz="6000" b="1" dirty="0"/>
             </a:br>
             <a:endParaRPr lang="en-US" sz="6000" b="1" dirty="0"/>
           </a:p>
@@ -3181,13 +3173,6 @@
   <p:clrMapOvr>
     <a:masterClrMapping/>
   </p:clrMapOvr>
-  <p:timing>
-    <p:tnLst>
-      <p:par>
-        <p:cTn id="1" dur="indefinite" restart="never" nodeType="tmRoot"/>
-      </p:par>
-    </p:tnLst>
-  </p:timing>
 </p:sld>
 </file>
 
@@ -3224,10 +3209,9 @@
           <a:lstStyle/>
           <a:p>
             <a:r>
-              <a:rPr lang="en-US" dirty="0" smtClean="0"/>
-              <a:t>Hints</a:t>
-            </a:r>
-            <a:endParaRPr lang="en-US" dirty="0"/>
+              <a:rPr lang="en-US" dirty="0"/>
+              <a:t>Challenge </a:t>
+            </a:r>
           </a:p>
         </p:txBody>
       </p:sp>
@@ -3248,43 +3232,68 @@
           </a:bodyPr>
           <a:lstStyle/>
           <a:p>
-            <a:pPr marL="0" indent="0">
-              <a:buNone/>
-            </a:pPr>
-            <a:r>
-              <a:rPr lang="en-US" dirty="0" smtClean="0"/>
-              <a:t>You will need to use the address table</a:t>
-            </a:r>
-          </a:p>
-          <a:p>
-            <a:pPr marL="0" indent="0">
-              <a:buNone/>
-            </a:pPr>
-            <a:r>
-              <a:rPr lang="en-US" dirty="0" smtClean="0"/>
-              <a:t>You will also need to use COUNT and DISTINCT</a:t>
-            </a:r>
-            <a:endParaRPr lang="en-US" dirty="0" smtClean="0"/>
+            <a:r>
+              <a:rPr lang="en-US" dirty="0"/>
+              <a:t>How many unique districts are our customers from?</a:t>
+            </a:r>
+          </a:p>
+          <a:p>
+            <a:pPr marL="0" indent="0">
+              <a:buNone/>
+            </a:pPr>
+            <a:r>
+              <a:rPr lang="en-US" u="sng" dirty="0"/>
+              <a:t>ANS   </a:t>
+            </a:r>
+          </a:p>
+          <a:p>
+            <a:pPr marL="0" indent="0">
+              <a:buNone/>
+            </a:pPr>
+            <a:endParaRPr lang="en-US" u="sng" dirty="0"/>
+          </a:p>
+          <a:p>
+            <a:pPr marL="0" indent="0">
+              <a:buNone/>
+            </a:pPr>
+            <a:r>
+              <a:rPr lang="en-US" sz="2400" dirty="0"/>
+              <a:t>SELECT COUNT(DISTINCT district)</a:t>
+            </a:r>
+          </a:p>
+          <a:p>
+            <a:pPr marL="0" indent="0">
+              <a:buNone/>
+            </a:pPr>
+            <a:r>
+              <a:rPr lang="en-US" sz="2400" dirty="0"/>
+              <a:t>FROM address</a:t>
+            </a:r>
+          </a:p>
+          <a:p>
+            <a:pPr marL="0" indent="0">
+              <a:buNone/>
+            </a:pPr>
+            <a:endParaRPr lang="en-US" u="sng" dirty="0"/>
+          </a:p>
+          <a:p>
+            <a:pPr marL="0" indent="0">
+              <a:buNone/>
+            </a:pPr>
+            <a:endParaRPr lang="en-US" u="sng" dirty="0"/>
           </a:p>
         </p:txBody>
       </p:sp>
     </p:spTree>
     <p:extLst>
       <p:ext uri="{BB962C8B-B14F-4D97-AF65-F5344CB8AC3E}">
-        <p14:creationId xmlns:p14="http://schemas.microsoft.com/office/powerpoint/2010/main" val="3310946263"/>
+        <p14:creationId xmlns:p14="http://schemas.microsoft.com/office/powerpoint/2010/main" val="1623973864"/>
       </p:ext>
     </p:extLst>
   </p:cSld>
   <p:clrMapOvr>
     <a:masterClrMapping/>
   </p:clrMapOvr>
-  <p:timing>
-    <p:tnLst>
-      <p:par>
-        <p:cTn id="1" dur="indefinite" restart="never" nodeType="tmRoot"/>
-      </p:par>
-    </p:tnLst>
-  </p:timing>
 </p:sld>
 </file>
 
@@ -3321,10 +3330,9 @@
           <a:lstStyle/>
           <a:p>
             <a:r>
-              <a:rPr lang="en-US" dirty="0" smtClean="0"/>
-              <a:t>SOLUTION</a:t>
-            </a:r>
-            <a:endParaRPr lang="en-US" dirty="0"/>
+              <a:rPr lang="en-US" dirty="0"/>
+              <a:t>Hints</a:t>
+            </a:r>
           </a:p>
         </p:txBody>
       </p:sp>
@@ -3349,44 +3357,31 @@
               <a:buNone/>
             </a:pPr>
             <a:r>
-              <a:rPr lang="en-US" b="1" dirty="0"/>
-              <a:t>SELECT COUNT(DISTINCT(district)) </a:t>
-            </a:r>
-            <a:endParaRPr lang="en-US" b="1" dirty="0" smtClean="0"/>
-          </a:p>
-          <a:p>
-            <a:pPr marL="0" indent="0">
-              <a:buNone/>
-            </a:pPr>
-            <a:r>
-              <a:rPr lang="en-US" b="1" dirty="0" smtClean="0"/>
-              <a:t>FROM </a:t>
-            </a:r>
-            <a:r>
-              <a:rPr lang="en-US" b="1" dirty="0"/>
-              <a:t>address;</a:t>
-            </a:r>
-            <a:endParaRPr lang="en-US" b="1" dirty="0"/>
+              <a:rPr lang="en-US" dirty="0"/>
+              <a:t>You will need to use the address table</a:t>
+            </a:r>
+          </a:p>
+          <a:p>
+            <a:pPr marL="0" indent="0">
+              <a:buNone/>
+            </a:pPr>
+            <a:r>
+              <a:rPr lang="en-US" dirty="0"/>
+              <a:t>You will also need to use COUNT and DISTINCT</a:t>
+            </a:r>
           </a:p>
         </p:txBody>
       </p:sp>
     </p:spTree>
     <p:extLst>
       <p:ext uri="{BB962C8B-B14F-4D97-AF65-F5344CB8AC3E}">
-        <p14:creationId xmlns:p14="http://schemas.microsoft.com/office/powerpoint/2010/main" val="4139070323"/>
+        <p14:creationId xmlns:p14="http://schemas.microsoft.com/office/powerpoint/2010/main" val="3310946263"/>
       </p:ext>
     </p:extLst>
   </p:cSld>
   <p:clrMapOvr>
     <a:masterClrMapping/>
   </p:clrMapOvr>
-  <p:timing>
-    <p:tnLst>
-      <p:par>
-        <p:cTn id="1" dur="indefinite" restart="never" nodeType="tmRoot"/>
-      </p:par>
-    </p:tnLst>
-  </p:timing>
 </p:sld>
 </file>
 
@@ -3423,10 +3418,9 @@
           <a:lstStyle/>
           <a:p>
             <a:r>
-              <a:rPr lang="en-US" dirty="0" smtClean="0"/>
-              <a:t>Challenge </a:t>
-            </a:r>
-            <a:endParaRPr lang="en-US" dirty="0"/>
+              <a:rPr lang="en-US" dirty="0"/>
+              <a:t>SOLUTION</a:t>
+            </a:r>
           </a:p>
         </p:txBody>
       </p:sp>
@@ -3447,31 +3441,35 @@
           </a:bodyPr>
           <a:lstStyle/>
           <a:p>
-            <a:r>
-              <a:rPr lang="en-US" dirty="0" smtClean="0"/>
-              <a:t>Retrieve the list of names for those distinct districts from the previous question.</a:t>
-            </a:r>
-            <a:endParaRPr lang="en-US" dirty="0" smtClean="0"/>
+            <a:pPr marL="0" indent="0">
+              <a:buNone/>
+            </a:pPr>
+            <a:r>
+              <a:rPr lang="en-US" b="1" dirty="0"/>
+              <a:t>SELECT COUNT(DISTINCT(district)) </a:t>
+            </a:r>
+          </a:p>
+          <a:p>
+            <a:pPr marL="0" indent="0">
+              <a:buNone/>
+            </a:pPr>
+            <a:r>
+              <a:rPr lang="en-US" b="1" dirty="0"/>
+              <a:t>FROM address;</a:t>
+            </a:r>
           </a:p>
         </p:txBody>
       </p:sp>
     </p:spTree>
     <p:extLst>
       <p:ext uri="{BB962C8B-B14F-4D97-AF65-F5344CB8AC3E}">
-        <p14:creationId xmlns:p14="http://schemas.microsoft.com/office/powerpoint/2010/main" val="2486104060"/>
+        <p14:creationId xmlns:p14="http://schemas.microsoft.com/office/powerpoint/2010/main" val="4139070323"/>
       </p:ext>
     </p:extLst>
   </p:cSld>
   <p:clrMapOvr>
     <a:masterClrMapping/>
   </p:clrMapOvr>
-  <p:timing>
-    <p:tnLst>
-      <p:par>
-        <p:cTn id="1" dur="indefinite" restart="never" nodeType="tmRoot"/>
-      </p:par>
-    </p:tnLst>
-  </p:timing>
 </p:sld>
 </file>
 
@@ -3508,10 +3506,9 @@
           <a:lstStyle/>
           <a:p>
             <a:r>
-              <a:rPr lang="en-US" dirty="0" smtClean="0"/>
-              <a:t>Hints</a:t>
-            </a:r>
-            <a:endParaRPr lang="en-US" dirty="0"/>
+              <a:rPr lang="en-US" dirty="0"/>
+              <a:t>Challenge </a:t>
+            </a:r>
           </a:p>
         </p:txBody>
       </p:sp>
@@ -3532,43 +3529,62 @@
           </a:bodyPr>
           <a:lstStyle/>
           <a:p>
-            <a:pPr marL="0" indent="0">
-              <a:buNone/>
-            </a:pPr>
-            <a:r>
-              <a:rPr lang="en-US" dirty="0" smtClean="0"/>
-              <a:t>You will again need to use the address table</a:t>
-            </a:r>
-          </a:p>
-          <a:p>
-            <a:pPr marL="0" indent="0">
-              <a:buNone/>
-            </a:pPr>
-            <a:r>
-              <a:rPr lang="en-US" dirty="0" smtClean="0"/>
-              <a:t>This will be very similar to the previous challenge</a:t>
-            </a:r>
-            <a:endParaRPr lang="en-US" dirty="0" smtClean="0"/>
+            <a:r>
+              <a:rPr lang="en-US" dirty="0"/>
+              <a:t>Retrieve the list of names for those distinct districts from the previous question.</a:t>
+            </a:r>
+          </a:p>
+          <a:p>
+            <a:pPr marL="0" indent="0">
+              <a:buNone/>
+            </a:pPr>
+            <a:r>
+              <a:rPr lang="en-US" u="sng" dirty="0"/>
+              <a:t>ANS</a:t>
+            </a:r>
+          </a:p>
+          <a:p>
+            <a:pPr marL="0" indent="0">
+              <a:buNone/>
+            </a:pPr>
+            <a:endParaRPr lang="en-US" u="sng" dirty="0"/>
+          </a:p>
+          <a:p>
+            <a:pPr marL="0" indent="0">
+              <a:buNone/>
+            </a:pPr>
+            <a:r>
+              <a:rPr lang="en-US" sz="2400" dirty="0"/>
+              <a:t>SELECT DISTINCT district</a:t>
+            </a:r>
+          </a:p>
+          <a:p>
+            <a:pPr marL="0" indent="0">
+              <a:buNone/>
+            </a:pPr>
+            <a:r>
+              <a:rPr lang="en-US" sz="2400" dirty="0"/>
+              <a:t>FROM address</a:t>
+            </a:r>
+          </a:p>
+          <a:p>
+            <a:pPr marL="0" indent="0">
+              <a:buNone/>
+            </a:pPr>
+            <a:endParaRPr lang="en-US" u="sng" dirty="0"/>
           </a:p>
         </p:txBody>
       </p:sp>
     </p:spTree>
     <p:extLst>
       <p:ext uri="{BB962C8B-B14F-4D97-AF65-F5344CB8AC3E}">
-        <p14:creationId xmlns:p14="http://schemas.microsoft.com/office/powerpoint/2010/main" val="2524075850"/>
+        <p14:creationId xmlns:p14="http://schemas.microsoft.com/office/powerpoint/2010/main" val="2486104060"/>
       </p:ext>
     </p:extLst>
   </p:cSld>
   <p:clrMapOvr>
     <a:masterClrMapping/>
   </p:clrMapOvr>
-  <p:timing>
-    <p:tnLst>
-      <p:par>
-        <p:cTn id="1" dur="indefinite" restart="never" nodeType="tmRoot"/>
-      </p:par>
-    </p:tnLst>
-  </p:timing>
 </p:sld>
 </file>
 
@@ -3605,10 +3621,9 @@
           <a:lstStyle/>
           <a:p>
             <a:r>
-              <a:rPr lang="en-US" dirty="0" smtClean="0"/>
-              <a:t>SOLUTION</a:t>
-            </a:r>
-            <a:endParaRPr lang="en-US" dirty="0"/>
+              <a:rPr lang="en-US" dirty="0"/>
+              <a:t>Hints</a:t>
+            </a:r>
           </a:p>
         </p:txBody>
       </p:sp>
@@ -3633,30 +3648,31 @@
               <a:buNone/>
             </a:pPr>
             <a:r>
-              <a:rPr lang="en-US" b="1" dirty="0"/>
-              <a:t>SELECT DISTINCT(district) FROM address;</a:t>
-            </a:r>
-            <a:endParaRPr lang="en-US" b="1" dirty="0"/>
+              <a:rPr lang="en-US" dirty="0"/>
+              <a:t>You will again need to use the address table</a:t>
+            </a:r>
+          </a:p>
+          <a:p>
+            <a:pPr marL="0" indent="0">
+              <a:buNone/>
+            </a:pPr>
+            <a:r>
+              <a:rPr lang="en-US" dirty="0"/>
+              <a:t>This will be very similar to the previous challenge</a:t>
+            </a:r>
           </a:p>
         </p:txBody>
       </p:sp>
     </p:spTree>
     <p:extLst>
       <p:ext uri="{BB962C8B-B14F-4D97-AF65-F5344CB8AC3E}">
-        <p14:creationId xmlns:p14="http://schemas.microsoft.com/office/powerpoint/2010/main" val="2714879578"/>
+        <p14:creationId xmlns:p14="http://schemas.microsoft.com/office/powerpoint/2010/main" val="2524075850"/>
       </p:ext>
     </p:extLst>
   </p:cSld>
   <p:clrMapOvr>
     <a:masterClrMapping/>
   </p:clrMapOvr>
-  <p:timing>
-    <p:tnLst>
-      <p:par>
-        <p:cTn id="1" dur="indefinite" restart="never" nodeType="tmRoot"/>
-      </p:par>
-    </p:tnLst>
-  </p:timing>
 </p:sld>
 </file>
 
@@ -3693,10 +3709,9 @@
           <a:lstStyle/>
           <a:p>
             <a:r>
-              <a:rPr lang="en-US" dirty="0" smtClean="0"/>
-              <a:t>Challenge </a:t>
-            </a:r>
-            <a:endParaRPr lang="en-US" dirty="0"/>
+              <a:rPr lang="en-US" dirty="0"/>
+              <a:t>SOLUTION</a:t>
+            </a:r>
           </a:p>
         </p:txBody>
       </p:sp>
@@ -3717,31 +3732,26 @@
           </a:bodyPr>
           <a:lstStyle/>
           <a:p>
-            <a:r>
-              <a:rPr lang="en-US" dirty="0" smtClean="0"/>
-              <a:t>How many films have a rating of R and a replacement cost between $5 and $15?</a:t>
-            </a:r>
-            <a:endParaRPr lang="en-US" dirty="0" smtClean="0"/>
+            <a:pPr marL="0" indent="0">
+              <a:buNone/>
+            </a:pPr>
+            <a:r>
+              <a:rPr lang="en-US" b="1" dirty="0"/>
+              <a:t>SELECT DISTINCT(district) FROM address;</a:t>
+            </a:r>
           </a:p>
         </p:txBody>
       </p:sp>
     </p:spTree>
     <p:extLst>
       <p:ext uri="{BB962C8B-B14F-4D97-AF65-F5344CB8AC3E}">
-        <p14:creationId xmlns:p14="http://schemas.microsoft.com/office/powerpoint/2010/main" val="2808816387"/>
+        <p14:creationId xmlns:p14="http://schemas.microsoft.com/office/powerpoint/2010/main" val="2714879578"/>
       </p:ext>
     </p:extLst>
   </p:cSld>
   <p:clrMapOvr>
     <a:masterClrMapping/>
   </p:clrMapOvr>
-  <p:timing>
-    <p:tnLst>
-      <p:par>
-        <p:cTn id="1" dur="indefinite" restart="never" nodeType="tmRoot"/>
-      </p:par>
-    </p:tnLst>
-  </p:timing>
 </p:sld>
 </file>
 
@@ -3778,67 +3788,114 @@
           <a:lstStyle/>
           <a:p>
             <a:r>
-              <a:rPr lang="en-US" dirty="0" smtClean="0"/>
-              <a:t>Hints</a:t>
-            </a:r>
+              <a:rPr lang="en-US" dirty="0"/>
+              <a:t>Challenge </a:t>
+            </a:r>
+          </a:p>
+        </p:txBody>
+      </p:sp>
+      <p:sp>
+        <p:nvSpPr>
+          <p:cNvPr id="3" name="Content Placeholder 2"/>
+          <p:cNvSpPr>
+            <a:spLocks noGrp="1"/>
+          </p:cNvSpPr>
+          <p:nvPr>
+            <p:ph idx="1"/>
+          </p:nvPr>
+        </p:nvSpPr>
+        <p:spPr/>
+        <p:txBody>
+          <a:bodyPr>
+            <a:normAutofit fontScale="77500" lnSpcReduction="20000"/>
+          </a:bodyPr>
+          <a:lstStyle/>
+          <a:p>
+            <a:r>
+              <a:rPr lang="en-US" dirty="0"/>
+              <a:t>How many films have a rating of R and a replacement cost between $5 and $15?</a:t>
+            </a:r>
+          </a:p>
+          <a:p>
+            <a:pPr marL="0" indent="0">
+              <a:buNone/>
+            </a:pPr>
+            <a:r>
+              <a:rPr lang="en-US" u="sng" dirty="0"/>
+              <a:t>ANS</a:t>
+            </a:r>
+          </a:p>
+          <a:p>
+            <a:pPr marL="0" indent="0">
+              <a:buNone/>
+            </a:pPr>
+            <a:endParaRPr lang="en-US" u="sng" dirty="0"/>
+          </a:p>
+          <a:p>
+            <a:pPr marL="0" indent="0">
+              <a:buNone/>
+            </a:pPr>
+            <a:r>
+              <a:rPr lang="en-US" dirty="0"/>
+              <a:t>SELECT COUNT(*)</a:t>
+            </a:r>
+          </a:p>
+          <a:p>
+            <a:pPr marL="0" indent="0">
+              <a:buNone/>
+            </a:pPr>
+            <a:r>
+              <a:rPr lang="en-US" dirty="0"/>
+              <a:t>FROM film</a:t>
+            </a:r>
+          </a:p>
+          <a:p>
+            <a:pPr marL="0" indent="0">
+              <a:buNone/>
+            </a:pPr>
             <a:endParaRPr lang="en-US" dirty="0"/>
           </a:p>
-        </p:txBody>
-      </p:sp>
-      <p:sp>
-        <p:nvSpPr>
-          <p:cNvPr id="3" name="Content Placeholder 2"/>
-          <p:cNvSpPr>
-            <a:spLocks noGrp="1"/>
-          </p:cNvSpPr>
-          <p:nvPr>
-            <p:ph idx="1"/>
-          </p:nvPr>
-        </p:nvSpPr>
-        <p:spPr/>
-        <p:txBody>
-          <a:bodyPr>
-            <a:normAutofit/>
-          </a:bodyPr>
-          <a:lstStyle/>
-          <a:p>
-            <a:pPr marL="0" indent="0">
-              <a:buNone/>
-            </a:pPr>
-            <a:r>
-              <a:rPr lang="en-US" dirty="0" smtClean="0"/>
-              <a:t>You will need to use the film table.</a:t>
-            </a:r>
-          </a:p>
-          <a:p>
-            <a:pPr marL="0" indent="0">
-              <a:buNone/>
-            </a:pPr>
-            <a:r>
-              <a:rPr lang="en-US" dirty="0" smtClean="0"/>
-              <a:t>You may also need to use BETWEEN and a WHERE statement with a comparison operator.</a:t>
-            </a:r>
-            <a:endParaRPr lang="en-US" dirty="0" smtClean="0"/>
+          <a:p>
+            <a:pPr marL="0" indent="0">
+              <a:buNone/>
+            </a:pPr>
+            <a:r>
+              <a:rPr lang="en-US" dirty="0"/>
+              <a:t>WHERE rating = 'R' AND </a:t>
+            </a:r>
+            <a:r>
+              <a:rPr lang="en-US" dirty="0" err="1"/>
+              <a:t>replacement_cost</a:t>
+            </a:r>
+            <a:r>
+              <a:rPr lang="en-US" dirty="0"/>
+              <a:t> BETWEEN 5 and 15</a:t>
+            </a:r>
+          </a:p>
+          <a:p>
+            <a:pPr marL="0" indent="0">
+              <a:buNone/>
+            </a:pPr>
+            <a:endParaRPr lang="en-US" dirty="0"/>
+          </a:p>
+          <a:p>
+            <a:pPr marL="0" indent="0">
+              <a:buNone/>
+            </a:pPr>
+            <a:endParaRPr lang="en-US" u="sng" dirty="0"/>
           </a:p>
         </p:txBody>
       </p:sp>
     </p:spTree>
     <p:extLst>
       <p:ext uri="{BB962C8B-B14F-4D97-AF65-F5344CB8AC3E}">
-        <p14:creationId xmlns:p14="http://schemas.microsoft.com/office/powerpoint/2010/main" val="443960769"/>
+        <p14:creationId xmlns:p14="http://schemas.microsoft.com/office/powerpoint/2010/main" val="2808816387"/>
       </p:ext>
     </p:extLst>
   </p:cSld>
   <p:clrMapOvr>
     <a:masterClrMapping/>
   </p:clrMapOvr>
-  <p:timing>
-    <p:tnLst>
-      <p:par>
-        <p:cTn id="1" dur="indefinite" restart="never" nodeType="tmRoot"/>
-      </p:par>
-    </p:tnLst>
-  </p:timing>
 </p:sld>
 </file>
 
@@ -3875,10 +3932,9 @@
           <a:lstStyle/>
           <a:p>
             <a:r>
-              <a:rPr lang="en-US" dirty="0" smtClean="0"/>
-              <a:t>SOLUTION</a:t>
-            </a:r>
-            <a:endParaRPr lang="en-US" dirty="0"/>
+              <a:rPr lang="en-US" dirty="0"/>
+              <a:t>Hints</a:t>
+            </a:r>
           </a:p>
         </p:txBody>
       </p:sp>
@@ -3903,56 +3959,31 @@
               <a:buNone/>
             </a:pPr>
             <a:r>
-              <a:rPr lang="en-US" b="1" dirty="0"/>
-              <a:t>SELECT COUNT(*) FROM film</a:t>
-            </a:r>
-          </a:p>
-          <a:p>
-            <a:pPr marL="0" indent="0">
-              <a:buNone/>
-            </a:pPr>
-            <a:r>
-              <a:rPr lang="en-US" b="1" dirty="0"/>
-              <a:t>WHERE rating = 'R'</a:t>
-            </a:r>
-          </a:p>
-          <a:p>
-            <a:pPr marL="0" indent="0">
-              <a:buNone/>
-            </a:pPr>
-            <a:r>
-              <a:rPr lang="en-US" b="1" dirty="0"/>
-              <a:t>AND </a:t>
-            </a:r>
-            <a:r>
-              <a:rPr lang="en-US" b="1" dirty="0" err="1"/>
-              <a:t>replacement_cost</a:t>
-            </a:r>
-            <a:r>
-              <a:rPr lang="en-US" b="1" dirty="0"/>
-              <a:t> BETWEEN 5 AND 15;</a:t>
-            </a:r>
-            <a:endParaRPr lang="en-US" b="1" dirty="0"/>
+              <a:rPr lang="en-US" dirty="0"/>
+              <a:t>You will need to use the film table.</a:t>
+            </a:r>
+          </a:p>
+          <a:p>
+            <a:pPr marL="0" indent="0">
+              <a:buNone/>
+            </a:pPr>
+            <a:r>
+              <a:rPr lang="en-US" dirty="0"/>
+              <a:t>You may also need to use BETWEEN and a WHERE statement with a comparison operator.</a:t>
+            </a:r>
           </a:p>
         </p:txBody>
       </p:sp>
     </p:spTree>
     <p:extLst>
       <p:ext uri="{BB962C8B-B14F-4D97-AF65-F5344CB8AC3E}">
-        <p14:creationId xmlns:p14="http://schemas.microsoft.com/office/powerpoint/2010/main" val="2981316849"/>
+        <p14:creationId xmlns:p14="http://schemas.microsoft.com/office/powerpoint/2010/main" val="443960769"/>
       </p:ext>
     </p:extLst>
   </p:cSld>
   <p:clrMapOvr>
     <a:masterClrMapping/>
   </p:clrMapOvr>
-  <p:timing>
-    <p:tnLst>
-      <p:par>
-        <p:cTn id="1" dur="indefinite" restart="never" nodeType="tmRoot"/>
-      </p:par>
-    </p:tnLst>
-  </p:timing>
 </p:sld>
 </file>
 
@@ -3989,10 +4020,9 @@
           <a:lstStyle/>
           <a:p>
             <a:r>
-              <a:rPr lang="en-US" dirty="0" smtClean="0"/>
-              <a:t>Challenge </a:t>
-            </a:r>
-            <a:endParaRPr lang="en-US" dirty="0"/>
+              <a:rPr lang="en-US" dirty="0"/>
+              <a:t>SOLUTION</a:t>
+            </a:r>
           </a:p>
         </p:txBody>
       </p:sp>
@@ -4013,31 +4043,52 @@
           </a:bodyPr>
           <a:lstStyle/>
           <a:p>
-            <a:r>
-              <a:rPr lang="en-US" dirty="0" smtClean="0"/>
-              <a:t>How many films have the word Truman somewhere in the title?</a:t>
-            </a:r>
-            <a:endParaRPr lang="en-US" dirty="0" smtClean="0"/>
+            <a:pPr marL="0" indent="0">
+              <a:buNone/>
+            </a:pPr>
+            <a:r>
+              <a:rPr lang="en-US" b="1" dirty="0"/>
+              <a:t>SELECT COUNT(*) FROM film</a:t>
+            </a:r>
+          </a:p>
+          <a:p>
+            <a:pPr marL="0" indent="0">
+              <a:buNone/>
+            </a:pPr>
+            <a:r>
+              <a:rPr lang="en-US" b="1" dirty="0"/>
+              <a:t>WHERE rating = 'R'</a:t>
+            </a:r>
+          </a:p>
+          <a:p>
+            <a:pPr marL="0" indent="0">
+              <a:buNone/>
+            </a:pPr>
+            <a:r>
+              <a:rPr lang="en-US" b="1" dirty="0"/>
+              <a:t>AND </a:t>
+            </a:r>
+            <a:r>
+              <a:rPr lang="en-US" b="1" dirty="0" err="1"/>
+              <a:t>replacement_cost</a:t>
+            </a:r>
+            <a:r>
+              <a:rPr lang="en-US" b="1" dirty="0"/>
+              <a:t> BETWEEN 5 AND 15;</a:t>
+            </a:r>
           </a:p>
         </p:txBody>
       </p:sp>
     </p:spTree>
     <p:extLst>
       <p:ext uri="{BB962C8B-B14F-4D97-AF65-F5344CB8AC3E}">
-        <p14:creationId xmlns:p14="http://schemas.microsoft.com/office/powerpoint/2010/main" val="3234929695"/>
+        <p14:creationId xmlns:p14="http://schemas.microsoft.com/office/powerpoint/2010/main" val="2981316849"/>
       </p:ext>
     </p:extLst>
   </p:cSld>
   <p:clrMapOvr>
     <a:masterClrMapping/>
   </p:clrMapOvr>
-  <p:timing>
-    <p:tnLst>
-      <p:par>
-        <p:cTn id="1" dur="indefinite" restart="never" nodeType="tmRoot"/>
-      </p:par>
-    </p:tnLst>
-  </p:timing>
 </p:sld>
 </file>
 
@@ -4074,10 +4125,9 @@
           <a:lstStyle/>
           <a:p>
             <a:r>
-              <a:rPr lang="en-US" dirty="0" smtClean="0"/>
-              <a:t>Hints</a:t>
-            </a:r>
-            <a:endParaRPr lang="en-US" dirty="0"/>
+              <a:rPr lang="en-US" dirty="0"/>
+              <a:t>Challenge </a:t>
+            </a:r>
           </a:p>
         </p:txBody>
       </p:sp>
@@ -4094,26 +4144,55 @@
         <p:spPr/>
         <p:txBody>
           <a:bodyPr>
-            <a:normAutofit/>
+            <a:normAutofit fontScale="92500" lnSpcReduction="10000"/>
           </a:bodyPr>
           <a:lstStyle/>
           <a:p>
-            <a:pPr marL="0" indent="0">
-              <a:buNone/>
-            </a:pPr>
-            <a:r>
-              <a:rPr lang="en-US" dirty="0" smtClean="0"/>
-              <a:t>You will need to use the film table</a:t>
-            </a:r>
-            <a:endParaRPr lang="en-US" dirty="0"/>
-          </a:p>
-          <a:p>
-            <a:pPr marL="0" indent="0">
-              <a:buNone/>
-            </a:pPr>
-            <a:r>
-              <a:rPr lang="en-US" dirty="0" smtClean="0"/>
-              <a:t>You will also need to use LIKE with a wildcard operator</a:t>
+            <a:r>
+              <a:rPr lang="en-US" dirty="0"/>
+              <a:t>How many films have the word Truman somewhere in the title?</a:t>
+            </a:r>
+          </a:p>
+          <a:p>
+            <a:pPr marL="0" indent="0">
+              <a:buNone/>
+            </a:pPr>
+            <a:r>
+              <a:rPr lang="en-US" u="sng" dirty="0"/>
+              <a:t>ANS</a:t>
+            </a:r>
+          </a:p>
+          <a:p>
+            <a:pPr marL="0" indent="0">
+              <a:buNone/>
+            </a:pPr>
+            <a:r>
+              <a:rPr lang="en-US" sz="2800" dirty="0"/>
+              <a:t>SELECT COUNT(*)</a:t>
+            </a:r>
+          </a:p>
+          <a:p>
+            <a:pPr marL="0" indent="0">
+              <a:buNone/>
+            </a:pPr>
+            <a:r>
+              <a:rPr lang="en-US" sz="2800" dirty="0"/>
+              <a:t>FROM film</a:t>
+            </a:r>
+          </a:p>
+          <a:p>
+            <a:pPr marL="0" indent="0">
+              <a:buNone/>
+            </a:pPr>
+            <a:endParaRPr lang="en-US" sz="2800" dirty="0"/>
+          </a:p>
+          <a:p>
+            <a:pPr marL="0" indent="0">
+              <a:buNone/>
+            </a:pPr>
+            <a:r>
+              <a:rPr lang="en-US" sz="2800" dirty="0"/>
+              <a:t>WHERE title LIKE '%Truman%'</a:t>
             </a:r>
           </a:p>
         </p:txBody>
@@ -4121,20 +4200,13 @@
     </p:spTree>
     <p:extLst>
       <p:ext uri="{BB962C8B-B14F-4D97-AF65-F5344CB8AC3E}">
-        <p14:creationId xmlns:p14="http://schemas.microsoft.com/office/powerpoint/2010/main" val="2712505477"/>
+        <p14:creationId xmlns:p14="http://schemas.microsoft.com/office/powerpoint/2010/main" val="3234929695"/>
       </p:ext>
     </p:extLst>
   </p:cSld>
   <p:clrMapOvr>
     <a:masterClrMapping/>
   </p:clrMapOvr>
-  <p:timing>
-    <p:tnLst>
-      <p:par>
-        <p:cTn id="1" dur="indefinite" restart="never" nodeType="tmRoot"/>
-      </p:par>
-    </p:tnLst>
-  </p:timing>
 </p:sld>
 </file>
 
@@ -4171,10 +4243,9 @@
           <a:lstStyle/>
           <a:p>
             <a:r>
-              <a:rPr lang="en-US" dirty="0" smtClean="0"/>
+              <a:rPr lang="en-US" dirty="0"/>
               <a:t>Overview</a:t>
             </a:r>
-            <a:endParaRPr lang="en-US" dirty="0"/>
           </a:p>
         </p:txBody>
       </p:sp>
@@ -4196,19 +4267,19 @@
           <a:lstStyle/>
           <a:p>
             <a:r>
-              <a:rPr lang="en-US" dirty="0" smtClean="0"/>
+              <a:rPr lang="en-US" dirty="0"/>
               <a:t>General Challenge Tasks utilizing all the skills you’ve learned so far!</a:t>
             </a:r>
           </a:p>
           <a:p>
             <a:r>
-              <a:rPr lang="en-US" dirty="0" smtClean="0"/>
+              <a:rPr lang="en-US" dirty="0"/>
               <a:t>Hints to the challenge</a:t>
             </a:r>
           </a:p>
           <a:p>
             <a:r>
-              <a:rPr lang="en-US" dirty="0" smtClean="0"/>
+              <a:rPr lang="en-US" dirty="0"/>
               <a:t>Solution to the challenge</a:t>
             </a:r>
           </a:p>
@@ -4217,10 +4288,9 @@
           </a:p>
           <a:p>
             <a:r>
-              <a:rPr lang="en-US" dirty="0" smtClean="0"/>
+              <a:rPr lang="en-US" dirty="0"/>
               <a:t>Challenges are going to be difficult, so try breaking down the problem into individual tasks! </a:t>
             </a:r>
-            <a:endParaRPr lang="en-US" dirty="0" smtClean="0"/>
           </a:p>
         </p:txBody>
       </p:sp>
@@ -4234,13 +4304,6 @@
   <p:clrMapOvr>
     <a:masterClrMapping/>
   </p:clrMapOvr>
-  <p:timing>
-    <p:tnLst>
-      <p:par>
-        <p:cTn id="1" dur="indefinite" restart="never" nodeType="tmRoot"/>
-      </p:par>
-    </p:tnLst>
-  </p:timing>
 </p:sld>
 </file>
 
@@ -4277,10 +4340,9 @@
           <a:lstStyle/>
           <a:p>
             <a:r>
-              <a:rPr lang="en-US" dirty="0" smtClean="0"/>
-              <a:t>SOLUTION</a:t>
-            </a:r>
-            <a:endParaRPr lang="en-US" dirty="0"/>
+              <a:rPr lang="en-US" dirty="0"/>
+              <a:t>Hints</a:t>
+            </a:r>
           </a:p>
         </p:txBody>
       </p:sp>
@@ -4305,47 +4367,31 @@
               <a:buNone/>
             </a:pPr>
             <a:r>
-              <a:rPr lang="en-US" b="1" dirty="0"/>
-              <a:t>SELECT </a:t>
-            </a:r>
-            <a:r>
-              <a:rPr lang="en-US" b="1" dirty="0" smtClean="0"/>
-              <a:t>COUNT(*) </a:t>
-            </a:r>
-            <a:r>
-              <a:rPr lang="en-US" b="1" dirty="0"/>
-              <a:t>FROM film</a:t>
-            </a:r>
-          </a:p>
-          <a:p>
-            <a:pPr marL="0" indent="0">
-              <a:buNone/>
-            </a:pPr>
-            <a:r>
-              <a:rPr lang="en-US" b="1" dirty="0"/>
-              <a:t>WHERE title LIKE '%Truman%';</a:t>
-            </a:r>
-            <a:endParaRPr lang="en-US" b="1" dirty="0"/>
+              <a:rPr lang="en-US" dirty="0"/>
+              <a:t>You will need to use the film table</a:t>
+            </a:r>
+          </a:p>
+          <a:p>
+            <a:pPr marL="0" indent="0">
+              <a:buNone/>
+            </a:pPr>
+            <a:r>
+              <a:rPr lang="en-US" dirty="0"/>
+              <a:t>You will also need to use LIKE with a wildcard operator</a:t>
+            </a:r>
           </a:p>
         </p:txBody>
       </p:sp>
     </p:spTree>
     <p:extLst>
       <p:ext uri="{BB962C8B-B14F-4D97-AF65-F5344CB8AC3E}">
-        <p14:creationId xmlns:p14="http://schemas.microsoft.com/office/powerpoint/2010/main" val="4250987062"/>
+        <p14:creationId xmlns:p14="http://schemas.microsoft.com/office/powerpoint/2010/main" val="2712505477"/>
       </p:ext>
     </p:extLst>
   </p:cSld>
   <p:clrMapOvr>
     <a:masterClrMapping/>
   </p:clrMapOvr>
-  <p:timing>
-    <p:tnLst>
-      <p:par>
-        <p:cTn id="1" dur="indefinite" restart="never" nodeType="tmRoot"/>
-      </p:par>
-    </p:tnLst>
-  </p:timing>
 </p:sld>
 </file>
 
@@ -4382,10 +4428,97 @@
           <a:lstStyle/>
           <a:p>
             <a:r>
-              <a:rPr lang="en-US" dirty="0" smtClean="0"/>
+              <a:rPr lang="en-US" dirty="0"/>
+              <a:t>SOLUTION</a:t>
+            </a:r>
+          </a:p>
+        </p:txBody>
+      </p:sp>
+      <p:sp>
+        <p:nvSpPr>
+          <p:cNvPr id="3" name="Content Placeholder 2"/>
+          <p:cNvSpPr>
+            <a:spLocks noGrp="1"/>
+          </p:cNvSpPr>
+          <p:nvPr>
+            <p:ph idx="1"/>
+          </p:nvPr>
+        </p:nvSpPr>
+        <p:spPr/>
+        <p:txBody>
+          <a:bodyPr>
+            <a:normAutofit/>
+          </a:bodyPr>
+          <a:lstStyle/>
+          <a:p>
+            <a:pPr marL="0" indent="0">
+              <a:buNone/>
+            </a:pPr>
+            <a:r>
+              <a:rPr lang="en-US" b="1" dirty="0"/>
+              <a:t>SELECT COUNT(*) FROM film</a:t>
+            </a:r>
+          </a:p>
+          <a:p>
+            <a:pPr marL="0" indent="0">
+              <a:buNone/>
+            </a:pPr>
+            <a:r>
+              <a:rPr lang="en-US" b="1" dirty="0"/>
+              <a:t>WHERE title LIKE '%Truman%';</a:t>
+            </a:r>
+          </a:p>
+        </p:txBody>
+      </p:sp>
+    </p:spTree>
+    <p:extLst>
+      <p:ext uri="{BB962C8B-B14F-4D97-AF65-F5344CB8AC3E}">
+        <p14:creationId xmlns:p14="http://schemas.microsoft.com/office/powerpoint/2010/main" val="4250987062"/>
+      </p:ext>
+    </p:extLst>
+  </p:cSld>
+  <p:clrMapOvr>
+    <a:masterClrMapping/>
+  </p:clrMapOvr>
+</p:sld>
+</file>
+
+<file path=ppt/slides/slide22.xml><?xml version="1.0" encoding="utf-8"?>
+<p:sld xmlns:a="http://schemas.openxmlformats.org/drawingml/2006/main" xmlns:r="http://schemas.openxmlformats.org/officeDocument/2006/relationships" xmlns:p="http://schemas.openxmlformats.org/presentationml/2006/main">
+  <p:cSld>
+    <p:spTree>
+      <p:nvGrpSpPr>
+        <p:cNvPr id="1" name=""/>
+        <p:cNvGrpSpPr/>
+        <p:nvPr/>
+      </p:nvGrpSpPr>
+      <p:grpSpPr>
+        <a:xfrm>
+          <a:off x="0" y="0"/>
+          <a:ext cx="0" cy="0"/>
+          <a:chOff x="0" y="0"/>
+          <a:chExt cx="0" cy="0"/>
+        </a:xfrm>
+      </p:grpSpPr>
+      <p:sp>
+        <p:nvSpPr>
+          <p:cNvPr id="2" name="Title 1"/>
+          <p:cNvSpPr>
+            <a:spLocks noGrp="1"/>
+          </p:cNvSpPr>
+          <p:nvPr>
+            <p:ph type="title"/>
+          </p:nvPr>
+        </p:nvSpPr>
+        <p:spPr/>
+        <p:txBody>
+          <a:bodyPr/>
+          <a:lstStyle/>
+          <a:p>
+            <a:r>
+              <a:rPr lang="en-US" dirty="0"/>
               <a:t>Great job!</a:t>
             </a:r>
-            <a:endParaRPr lang="en-US" dirty="0"/>
           </a:p>
         </p:txBody>
       </p:sp>
@@ -4405,10 +4538,9 @@
           <a:lstStyle/>
           <a:p>
             <a:r>
-              <a:rPr lang="en-US" dirty="0" smtClean="0"/>
+              <a:rPr lang="en-US" dirty="0"/>
               <a:t>Let’s go learn some more!</a:t>
             </a:r>
-            <a:endParaRPr lang="en-US" dirty="0"/>
           </a:p>
         </p:txBody>
       </p:sp>
@@ -4422,13 +4554,6 @@
   <p:clrMapOvr>
     <a:masterClrMapping/>
   </p:clrMapOvr>
-  <p:timing>
-    <p:tnLst>
-      <p:par>
-        <p:cTn id="1" dur="indefinite" restart="never" nodeType="tmRoot"/>
-      </p:par>
-    </p:tnLst>
-  </p:timing>
 </p:sld>
 </file>
 
@@ -4459,16 +4584,20 @@
             <p:ph type="title"/>
           </p:nvPr>
         </p:nvSpPr>
-        <p:spPr/>
-        <p:txBody>
-          <a:bodyPr/>
-          <a:lstStyle/>
-          <a:p>
-            <a:r>
-              <a:rPr lang="en-US" dirty="0" smtClean="0"/>
+        <p:spPr>
+          <a:xfrm>
+            <a:off x="457200" y="14106"/>
+            <a:ext cx="8229600" cy="857250"/>
+          </a:xfrm>
+        </p:spPr>
+        <p:txBody>
+          <a:bodyPr/>
+          <a:lstStyle/>
+          <a:p>
+            <a:r>
+              <a:rPr lang="en-US" dirty="0"/>
               <a:t>Challenge </a:t>
             </a:r>
-            <a:endParaRPr lang="en-US" dirty="0"/>
           </a:p>
         </p:txBody>
       </p:sp>
@@ -4482,7 +4611,12 @@
             <p:ph idx="1"/>
           </p:nvPr>
         </p:nvSpPr>
-        <p:spPr/>
+        <p:spPr>
+          <a:xfrm>
+            <a:off x="457200" y="819150"/>
+            <a:ext cx="8229600" cy="4191000"/>
+          </a:xfrm>
+        </p:spPr>
         <p:txBody>
           <a:bodyPr>
             <a:normAutofit/>
@@ -4490,10 +4624,78 @@
           <a:lstStyle/>
           <a:p>
             <a:r>
-              <a:rPr lang="en-US" dirty="0" smtClean="0"/>
+              <a:rPr lang="en-US" dirty="0"/>
               <a:t>How many payment transactions were greater than $5.00?</a:t>
             </a:r>
-            <a:endParaRPr lang="en-US" dirty="0" smtClean="0"/>
+          </a:p>
+          <a:p>
+            <a:pPr marL="0" indent="0">
+              <a:buNone/>
+            </a:pPr>
+            <a:r>
+              <a:rPr lang="en-US" u="sng" dirty="0"/>
+              <a:t>Ans</a:t>
+            </a:r>
+            <a:r>
+              <a:rPr lang="en-US" dirty="0"/>
+              <a:t> </a:t>
+            </a:r>
+          </a:p>
+          <a:p>
+            <a:pPr marL="0" indent="0">
+              <a:buNone/>
+            </a:pPr>
+            <a:r>
+              <a:rPr lang="en-US" sz="2400" u="sng" dirty="0"/>
+              <a:t>Solution 1</a:t>
+            </a:r>
+            <a:r>
+              <a:rPr lang="en-US" sz="2400" dirty="0"/>
+              <a:t>: </a:t>
+            </a:r>
+          </a:p>
+          <a:p>
+            <a:pPr marL="0" indent="0">
+              <a:buNone/>
+            </a:pPr>
+            <a:r>
+              <a:rPr lang="en-US" sz="2400" dirty="0"/>
+              <a:t>SELECT COUNT</a:t>
+            </a:r>
+            <a:r>
+              <a:rPr lang="th-TH" sz="2400" dirty="0"/>
+              <a:t>(</a:t>
+            </a:r>
+            <a:r>
+              <a:rPr lang="en-US" sz="2400" dirty="0"/>
+              <a:t>amount</a:t>
+            </a:r>
+            <a:r>
+              <a:rPr lang="th-TH" sz="2400" dirty="0"/>
+              <a:t>)</a:t>
+            </a:r>
+            <a:r>
+              <a:rPr lang="en-US" sz="2400" dirty="0"/>
+              <a:t> </a:t>
+            </a:r>
+          </a:p>
+          <a:p>
+            <a:pPr marL="0" indent="0">
+              <a:buNone/>
+            </a:pPr>
+            <a:r>
+              <a:rPr lang="en-US" sz="2400" dirty="0"/>
+              <a:t>FROM payment</a:t>
+            </a:r>
+          </a:p>
+          <a:p>
+            <a:pPr marL="0" indent="0">
+              <a:buNone/>
+            </a:pPr>
+            <a:r>
+              <a:rPr lang="en-US" sz="2400" dirty="0"/>
+              <a:t>WHERE amount &gt; 5</a:t>
+            </a:r>
           </a:p>
         </p:txBody>
       </p:sp>
@@ -4507,13 +4709,6 @@
   <p:clrMapOvr>
     <a:masterClrMapping/>
   </p:clrMapOvr>
-  <p:timing>
-    <p:tnLst>
-      <p:par>
-        <p:cTn id="1" dur="indefinite" restart="never" nodeType="tmRoot"/>
-      </p:par>
-    </p:tnLst>
-  </p:timing>
 </p:sld>
 </file>
 
@@ -4536,30 +4731,13 @@
       </p:grpSpPr>
       <p:sp>
         <p:nvSpPr>
-          <p:cNvPr id="2" name="Title 1"/>
-          <p:cNvSpPr>
-            <a:spLocks noGrp="1"/>
-          </p:cNvSpPr>
-          <p:nvPr>
-            <p:ph type="title"/>
-          </p:nvPr>
-        </p:nvSpPr>
-        <p:spPr/>
-        <p:txBody>
-          <a:bodyPr/>
-          <a:lstStyle/>
-          <a:p>
-            <a:r>
-              <a:rPr lang="en-US" dirty="0" smtClean="0"/>
-              <a:t>Hints</a:t>
-            </a:r>
-            <a:endParaRPr lang="en-US" dirty="0"/>
-          </a:p>
-        </p:txBody>
-      </p:sp>
-      <p:sp>
-        <p:nvSpPr>
-          <p:cNvPr id="3" name="Content Placeholder 2"/>
+          <p:cNvPr id="4" name="Content Placeholder 2">
+            <a:extLst>
+              <a:ext uri="{FF2B5EF4-FFF2-40B4-BE49-F238E27FC236}">
+                <a16:creationId xmlns:a16="http://schemas.microsoft.com/office/drawing/2014/main" id="{8D7BE181-7BD1-049D-2ED6-BC292C1834BC}"/>
+              </a:ext>
+            </a:extLst>
+          </p:cNvPr>
           <p:cNvSpPr>
             <a:spLocks noGrp="1"/>
           </p:cNvSpPr>
@@ -4567,7 +4745,12 @@
             <p:ph idx="1"/>
           </p:nvPr>
         </p:nvSpPr>
-        <p:spPr/>
+        <p:spPr>
+          <a:xfrm>
+            <a:off x="457200" y="133350"/>
+            <a:ext cx="8229600" cy="4575570"/>
+          </a:xfrm>
+        </p:spPr>
         <p:txBody>
           <a:bodyPr>
             <a:normAutofit/>
@@ -4577,40 +4760,67 @@
             <a:pPr marL="0" indent="0">
               <a:buNone/>
             </a:pPr>
-            <a:r>
-              <a:rPr lang="en-US" dirty="0" smtClean="0"/>
-              <a:t>You will need to use the payment table</a:t>
-            </a:r>
-          </a:p>
-          <a:p>
-            <a:pPr marL="0" indent="0">
-              <a:buNone/>
-            </a:pPr>
-            <a:r>
-              <a:rPr lang="en-US" dirty="0" smtClean="0"/>
-              <a:t>You will also need to use COUNT and WHERE along with some comparison operator</a:t>
-            </a:r>
-            <a:endParaRPr lang="en-US" dirty="0" smtClean="0"/>
+            <a:endParaRPr lang="en-US" sz="2400" dirty="0"/>
+          </a:p>
+          <a:p>
+            <a:pPr marL="0" indent="0">
+              <a:buNone/>
+            </a:pPr>
+            <a:r>
+              <a:rPr lang="en-US" sz="2400" u="sng" dirty="0"/>
+              <a:t>Solution 2</a:t>
+            </a:r>
+            <a:r>
+              <a:rPr lang="en-US" sz="2400" dirty="0"/>
+              <a:t>: </a:t>
+            </a:r>
+          </a:p>
+          <a:p>
+            <a:pPr marL="0" indent="0">
+              <a:buNone/>
+            </a:pPr>
+            <a:r>
+              <a:rPr lang="en-US" sz="2400" dirty="0"/>
+              <a:t>SELECT COUNT</a:t>
+            </a:r>
+            <a:r>
+              <a:rPr lang="th-TH" sz="2400" dirty="0"/>
+              <a:t>(</a:t>
+            </a:r>
+            <a:r>
+              <a:rPr lang="en-US" sz="2400" dirty="0"/>
+              <a:t>CASE WHEN amount &gt; 5 THEN 1 END</a:t>
+            </a:r>
+            <a:r>
+              <a:rPr lang="th-TH" sz="2400" dirty="0"/>
+              <a:t>)</a:t>
+            </a:r>
+            <a:r>
+              <a:rPr lang="en-US" sz="2400" dirty="0"/>
+              <a:t> </a:t>
+            </a:r>
+          </a:p>
+          <a:p>
+            <a:pPr marL="0" indent="0">
+              <a:buNone/>
+            </a:pPr>
+            <a:r>
+              <a:rPr lang="en-US" sz="2400" dirty="0"/>
+              <a:t>FROM payment</a:t>
+            </a:r>
           </a:p>
         </p:txBody>
       </p:sp>
     </p:spTree>
     <p:extLst>
       <p:ext uri="{BB962C8B-B14F-4D97-AF65-F5344CB8AC3E}">
-        <p14:creationId xmlns:p14="http://schemas.microsoft.com/office/powerpoint/2010/main" val="1471413319"/>
+        <p14:creationId xmlns:p14="http://schemas.microsoft.com/office/powerpoint/2010/main" val="3455394941"/>
       </p:ext>
     </p:extLst>
   </p:cSld>
   <p:clrMapOvr>
     <a:masterClrMapping/>
   </p:clrMapOvr>
-  <p:timing>
-    <p:tnLst>
-      <p:par>
-        <p:cTn id="1" dur="indefinite" restart="never" nodeType="tmRoot"/>
-      </p:par>
-    </p:tnLst>
-  </p:timing>
 </p:sld>
 </file>
 
@@ -4647,10 +4857,9 @@
           <a:lstStyle/>
           <a:p>
             <a:r>
-              <a:rPr lang="en-US" dirty="0" smtClean="0"/>
-              <a:t>SOLUTION</a:t>
-            </a:r>
-            <a:endParaRPr lang="en-US" dirty="0"/>
+              <a:rPr lang="en-US" dirty="0"/>
+              <a:t>Hints</a:t>
+            </a:r>
           </a:p>
         </p:txBody>
       </p:sp>
@@ -4675,39 +4884,31 @@
               <a:buNone/>
             </a:pPr>
             <a:r>
-              <a:rPr lang="en-US" b="1" dirty="0"/>
-              <a:t>SELECT COUNT(amount) FROM payment</a:t>
-            </a:r>
-          </a:p>
-          <a:p>
-            <a:pPr marL="0" indent="0">
-              <a:buNone/>
-            </a:pPr>
-            <a:r>
-              <a:rPr lang="en-US" b="1" dirty="0"/>
-              <a:t>WHERE amount &gt; 5;</a:t>
-            </a:r>
-            <a:endParaRPr lang="en-US" b="1" dirty="0"/>
+              <a:rPr lang="en-US" dirty="0"/>
+              <a:t>You will need to use the payment table</a:t>
+            </a:r>
+          </a:p>
+          <a:p>
+            <a:pPr marL="0" indent="0">
+              <a:buNone/>
+            </a:pPr>
+            <a:r>
+              <a:rPr lang="en-US" dirty="0"/>
+              <a:t>You will also need to use COUNT and WHERE along with some comparison operator</a:t>
+            </a:r>
           </a:p>
         </p:txBody>
       </p:sp>
     </p:spTree>
     <p:extLst>
       <p:ext uri="{BB962C8B-B14F-4D97-AF65-F5344CB8AC3E}">
-        <p14:creationId xmlns:p14="http://schemas.microsoft.com/office/powerpoint/2010/main" val="2786492394"/>
+        <p14:creationId xmlns:p14="http://schemas.microsoft.com/office/powerpoint/2010/main" val="1471413319"/>
       </p:ext>
     </p:extLst>
   </p:cSld>
   <p:clrMapOvr>
     <a:masterClrMapping/>
   </p:clrMapOvr>
-  <p:timing>
-    <p:tnLst>
-      <p:par>
-        <p:cTn id="1" dur="indefinite" restart="never" nodeType="tmRoot"/>
-      </p:par>
-    </p:tnLst>
-  </p:timing>
 </p:sld>
 </file>
 
@@ -4744,10 +4945,9 @@
           <a:lstStyle/>
           <a:p>
             <a:r>
-              <a:rPr lang="en-US" dirty="0" smtClean="0"/>
-              <a:t>Challenge </a:t>
-            </a:r>
-            <a:endParaRPr lang="en-US" dirty="0"/>
+              <a:rPr lang="en-US" dirty="0"/>
+              <a:t>SOLUTION</a:t>
+            </a:r>
           </a:p>
         </p:txBody>
       </p:sp>
@@ -4768,31 +4968,35 @@
           </a:bodyPr>
           <a:lstStyle/>
           <a:p>
-            <a:r>
-              <a:rPr lang="en-US" dirty="0" smtClean="0"/>
-              <a:t>How many actors have a first name that starts with the letter P?</a:t>
-            </a:r>
-            <a:endParaRPr lang="en-US" dirty="0" smtClean="0"/>
+            <a:pPr marL="0" indent="0">
+              <a:buNone/>
+            </a:pPr>
+            <a:r>
+              <a:rPr lang="en-US" b="1" dirty="0"/>
+              <a:t>SELECT COUNT(amount) FROM payment</a:t>
+            </a:r>
+          </a:p>
+          <a:p>
+            <a:pPr marL="0" indent="0">
+              <a:buNone/>
+            </a:pPr>
+            <a:r>
+              <a:rPr lang="en-US" b="1" dirty="0"/>
+              <a:t>WHERE amount &gt; 5;</a:t>
+            </a:r>
           </a:p>
         </p:txBody>
       </p:sp>
     </p:spTree>
     <p:extLst>
       <p:ext uri="{BB962C8B-B14F-4D97-AF65-F5344CB8AC3E}">
-        <p14:creationId xmlns:p14="http://schemas.microsoft.com/office/powerpoint/2010/main" val="1623973864"/>
+        <p14:creationId xmlns:p14="http://schemas.microsoft.com/office/powerpoint/2010/main" val="2786492394"/>
       </p:ext>
     </p:extLst>
   </p:cSld>
   <p:clrMapOvr>
     <a:masterClrMapping/>
   </p:clrMapOvr>
-  <p:timing>
-    <p:tnLst>
-      <p:par>
-        <p:cTn id="1" dur="indefinite" restart="never" nodeType="tmRoot"/>
-      </p:par>
-    </p:tnLst>
-  </p:timing>
 </p:sld>
 </file>
 
@@ -4829,10 +5033,9 @@
           <a:lstStyle/>
           <a:p>
             <a:r>
-              <a:rPr lang="en-US" dirty="0" smtClean="0"/>
-              <a:t>Hints</a:t>
-            </a:r>
-            <a:endParaRPr lang="en-US" dirty="0"/>
+              <a:rPr lang="en-US" dirty="0"/>
+              <a:t>Challenge </a:t>
+            </a:r>
           </a:p>
         </p:txBody>
       </p:sp>
@@ -4849,47 +5052,91 @@
         <p:spPr/>
         <p:txBody>
           <a:bodyPr>
-            <a:normAutofit/>
+            <a:normAutofit lnSpcReduction="10000"/>
           </a:bodyPr>
           <a:lstStyle/>
           <a:p>
-            <a:pPr marL="0" indent="0">
-              <a:buNone/>
-            </a:pPr>
-            <a:r>
-              <a:rPr lang="en-US" dirty="0" smtClean="0"/>
-              <a:t>You will need to use the actor table</a:t>
-            </a:r>
-          </a:p>
-          <a:p>
-            <a:pPr marL="0" indent="0">
-              <a:buNone/>
-            </a:pPr>
-            <a:r>
-              <a:rPr lang="en-US" dirty="0" smtClean="0"/>
-              <a:t>You will also need to use LIKE and a wildcard operator, such as % or _ </a:t>
-            </a:r>
-            <a:endParaRPr lang="en-US" dirty="0" smtClean="0"/>
+            <a:r>
+              <a:rPr lang="en-US" dirty="0"/>
+              <a:t>How many actors have a first name that starts with the letter P?</a:t>
+            </a:r>
+          </a:p>
+          <a:p>
+            <a:pPr marL="0" indent="0">
+              <a:buNone/>
+            </a:pPr>
+            <a:r>
+              <a:rPr lang="en-US" u="sng" dirty="0"/>
+              <a:t>Ans</a:t>
+            </a:r>
+          </a:p>
+          <a:p>
+            <a:pPr marL="0" indent="0">
+              <a:buNone/>
+            </a:pPr>
+            <a:r>
+              <a:rPr lang="en-US" sz="2600" dirty="0"/>
+              <a:t>SELECT COUNT(</a:t>
+            </a:r>
+            <a:r>
+              <a:rPr lang="en-US" sz="2600" dirty="0" err="1"/>
+              <a:t>first_name</a:t>
+            </a:r>
+            <a:r>
+              <a:rPr lang="en-US" sz="2600" dirty="0"/>
+              <a:t>)</a:t>
+            </a:r>
+          </a:p>
+          <a:p>
+            <a:pPr marL="0" indent="0">
+              <a:buNone/>
+            </a:pPr>
+            <a:r>
+              <a:rPr lang="en-US" sz="2600" dirty="0"/>
+              <a:t>FROM actor</a:t>
+            </a:r>
+          </a:p>
+          <a:p>
+            <a:pPr marL="0" indent="0">
+              <a:buNone/>
+            </a:pPr>
+            <a:endParaRPr lang="en-US" sz="2600" dirty="0"/>
+          </a:p>
+          <a:p>
+            <a:pPr marL="0" indent="0">
+              <a:buNone/>
+            </a:pPr>
+            <a:r>
+              <a:rPr lang="en-US" sz="2600" dirty="0"/>
+              <a:t>WHERE </a:t>
+            </a:r>
+            <a:r>
+              <a:rPr lang="en-US" sz="2600" dirty="0" err="1"/>
+              <a:t>first_name</a:t>
+            </a:r>
+            <a:r>
+              <a:rPr lang="en-US" sz="2600" dirty="0"/>
+              <a:t> LIKE 'P%'</a:t>
+            </a:r>
+          </a:p>
+          <a:p>
+            <a:pPr marL="0" indent="0">
+              <a:buNone/>
+            </a:pPr>
+            <a:endParaRPr lang="en-US" u="sng" dirty="0"/>
           </a:p>
         </p:txBody>
       </p:sp>
     </p:spTree>
     <p:extLst>
       <p:ext uri="{BB962C8B-B14F-4D97-AF65-F5344CB8AC3E}">
-        <p14:creationId xmlns:p14="http://schemas.microsoft.com/office/powerpoint/2010/main" val="3310946263"/>
+        <p14:creationId xmlns:p14="http://schemas.microsoft.com/office/powerpoint/2010/main" val="1623973864"/>
       </p:ext>
     </p:extLst>
   </p:cSld>
   <p:clrMapOvr>
     <a:masterClrMapping/>
   </p:clrMapOvr>
-  <p:timing>
-    <p:tnLst>
-      <p:par>
-        <p:cTn id="1" dur="indefinite" restart="never" nodeType="tmRoot"/>
-      </p:par>
-    </p:tnLst>
-  </p:timing>
 </p:sld>
 </file>
 
@@ -4926,10 +5173,9 @@
           <a:lstStyle/>
           <a:p>
             <a:r>
-              <a:rPr lang="en-US" dirty="0" smtClean="0"/>
-              <a:t>SOLUTION</a:t>
-            </a:r>
-            <a:endParaRPr lang="en-US" dirty="0"/>
+              <a:rPr lang="en-US" dirty="0"/>
+              <a:t>Hints</a:t>
+            </a:r>
           </a:p>
         </p:txBody>
       </p:sp>
@@ -4954,47 +5200,31 @@
               <a:buNone/>
             </a:pPr>
             <a:r>
-              <a:rPr lang="en-US" b="1" dirty="0"/>
-              <a:t>SELECT COUNT(*) FROM actor</a:t>
-            </a:r>
-          </a:p>
-          <a:p>
-            <a:pPr marL="0" indent="0">
-              <a:buNone/>
-            </a:pPr>
-            <a:r>
-              <a:rPr lang="en-US" b="1" dirty="0"/>
-              <a:t>WHERE </a:t>
-            </a:r>
-            <a:r>
-              <a:rPr lang="en-US" b="1" dirty="0" err="1"/>
-              <a:t>first_name</a:t>
-            </a:r>
-            <a:r>
-              <a:rPr lang="en-US" b="1" dirty="0"/>
-              <a:t> LIKE 'P%';</a:t>
-            </a:r>
-            <a:endParaRPr lang="en-US" b="1" dirty="0"/>
+              <a:rPr lang="en-US" dirty="0"/>
+              <a:t>You will need to use the actor table</a:t>
+            </a:r>
+          </a:p>
+          <a:p>
+            <a:pPr marL="0" indent="0">
+              <a:buNone/>
+            </a:pPr>
+            <a:r>
+              <a:rPr lang="en-US" dirty="0"/>
+              <a:t>You will also need to use LIKE and a wildcard operator, such as % or _ </a:t>
+            </a:r>
           </a:p>
         </p:txBody>
       </p:sp>
     </p:spTree>
     <p:extLst>
       <p:ext uri="{BB962C8B-B14F-4D97-AF65-F5344CB8AC3E}">
-        <p14:creationId xmlns:p14="http://schemas.microsoft.com/office/powerpoint/2010/main" val="4139070323"/>
+        <p14:creationId xmlns:p14="http://schemas.microsoft.com/office/powerpoint/2010/main" val="3310946263"/>
       </p:ext>
     </p:extLst>
   </p:cSld>
   <p:clrMapOvr>
     <a:masterClrMapping/>
   </p:clrMapOvr>
-  <p:timing>
-    <p:tnLst>
-      <p:par>
-        <p:cTn id="1" dur="indefinite" restart="never" nodeType="tmRoot"/>
-      </p:par>
-    </p:tnLst>
-  </p:timing>
 </p:sld>
 </file>
 
@@ -5031,10 +5261,9 @@
           <a:lstStyle/>
           <a:p>
             <a:r>
-              <a:rPr lang="en-US" dirty="0" smtClean="0"/>
-              <a:t>Challenge </a:t>
-            </a:r>
-            <a:endParaRPr lang="en-US" dirty="0"/>
+              <a:rPr lang="en-US" dirty="0"/>
+              <a:t>SOLUTION</a:t>
+            </a:r>
           </a:p>
         </p:txBody>
       </p:sp>
@@ -5055,31 +5284,43 @@
           </a:bodyPr>
           <a:lstStyle/>
           <a:p>
-            <a:r>
-              <a:rPr lang="en-US" dirty="0" smtClean="0"/>
-              <a:t>How many unique districts are our customers from?</a:t>
-            </a:r>
-            <a:endParaRPr lang="en-US" dirty="0" smtClean="0"/>
+            <a:pPr marL="0" indent="0">
+              <a:buNone/>
+            </a:pPr>
+            <a:r>
+              <a:rPr lang="en-US" b="1" dirty="0"/>
+              <a:t>SELECT COUNT(*) FROM actor</a:t>
+            </a:r>
+          </a:p>
+          <a:p>
+            <a:pPr marL="0" indent="0">
+              <a:buNone/>
+            </a:pPr>
+            <a:r>
+              <a:rPr lang="en-US" b="1" dirty="0"/>
+              <a:t>WHERE </a:t>
+            </a:r>
+            <a:r>
+              <a:rPr lang="en-US" b="1" dirty="0" err="1"/>
+              <a:t>first_name</a:t>
+            </a:r>
+            <a:r>
+              <a:rPr lang="en-US" b="1" dirty="0"/>
+              <a:t> LIKE 'P%';</a:t>
+            </a:r>
           </a:p>
         </p:txBody>
       </p:sp>
     </p:spTree>
     <p:extLst>
       <p:ext uri="{BB962C8B-B14F-4D97-AF65-F5344CB8AC3E}">
-        <p14:creationId xmlns:p14="http://schemas.microsoft.com/office/powerpoint/2010/main" val="1623973864"/>
+        <p14:creationId xmlns:p14="http://schemas.microsoft.com/office/powerpoint/2010/main" val="4139070323"/>
       </p:ext>
     </p:extLst>
   </p:cSld>
   <p:clrMapOvr>
     <a:masterClrMapping/>
   </p:clrMapOvr>
-  <p:timing>
-    <p:tnLst>
-      <p:par>
-        <p:cTn id="1" dur="indefinite" restart="never" nodeType="tmRoot"/>
-      </p:par>
-    </p:tnLst>
-  </p:timing>
 </p:sld>
 </file>
 
